--- a/Fall 2015/Lectures/Lecture 1 LP Intro/Lecture_1_LP.pptx
+++ b/Fall 2015/Lectures/Lecture 1 LP Intro/Lecture_1_LP.pptx
@@ -3815,7 +3815,19 @@
               <a:rPr lang="en-US" b="1" dirty="0">
                 <a:latin typeface="Century Gothic" charset="0"/>
               </a:rPr>
-              <a:t>Lecture 3 </a:t>
+              <a:t>Lecture </a:t>
+            </a:r>
+            <a:r>
+              <a:rPr lang="en-US" b="1" dirty="0" smtClean="0">
+                <a:latin typeface="Century Gothic" charset="0"/>
+              </a:rPr>
+              <a:t>1 </a:t>
+            </a:r>
+            <a:r>
+              <a:rPr lang="en-US" b="1" dirty="0">
+                <a:latin typeface="Century Gothic" charset="0"/>
+              </a:rPr>
+              <a:t/>
             </a:r>
             <a:br>
               <a:rPr lang="en-US" b="1" dirty="0">
@@ -3921,30 +3933,6 @@
           </a:p>
         </p:txBody>
       </p:sp>
-      <p:pic>
-        <p:nvPicPr>
-          <p:cNvPr id="2" name="Picture 1"/>
-          <p:cNvPicPr>
-            <a:picLocks noChangeAspect="1"/>
-          </p:cNvPicPr>
-          <p:nvPr/>
-        </p:nvPicPr>
-        <p:blipFill>
-          <a:blip r:embed="rId3"/>
-          <a:stretch>
-            <a:fillRect/>
-          </a:stretch>
-        </p:blipFill>
-        <p:spPr>
-          <a:xfrm>
-            <a:off x="1371600" y="4648200"/>
-            <a:ext cx="4114800" cy="3086100"/>
-          </a:xfrm>
-          <a:prstGeom prst="rect">
-            <a:avLst/>
-          </a:prstGeom>
-        </p:spPr>
-      </p:pic>
     </p:spTree>
   </p:cSld>
   <p:clrMapOvr>
@@ -7691,7 +7679,7 @@
           <a:graphicData uri="http://schemas.openxmlformats.org/presentationml/2006/ole">
             <mc:AlternateContent xmlns:mc="http://schemas.openxmlformats.org/markup-compatibility/2006">
               <mc:Choice xmlns:v="urn:schemas-microsoft-com:vml" Requires="v">
-                <p:oleObj spid="_x0000_s3092" name="Worksheet" r:id="rId4" imgW="3886200" imgH="1209675" progId="Excel.Sheet.8">
+                <p:oleObj spid="_x0000_s3096" name="Worksheet" r:id="rId4" imgW="3886200" imgH="1209675" progId="Excel.Sheet.8">
                   <p:embed/>
                 </p:oleObj>
               </mc:Choice>
@@ -8427,7 +8415,7 @@
           <a:graphicData uri="http://schemas.openxmlformats.org/presentationml/2006/ole">
             <mc:AlternateContent xmlns:mc="http://schemas.openxmlformats.org/markup-compatibility/2006">
               <mc:Choice xmlns:v="urn:schemas-microsoft-com:vml" Requires="v">
-                <p:oleObj spid="_x0000_s4116" name="Worksheet" r:id="rId5" imgW="3848100" imgH="1209675" progId="Excel.Sheet.8">
+                <p:oleObj spid="_x0000_s4120" name="Worksheet" r:id="rId5" imgW="3848100" imgH="1209675" progId="Excel.Sheet.8">
                   <p:embed/>
                 </p:oleObj>
               </mc:Choice>
@@ -11130,11 +11118,7 @@
           <a:p>
             <a:r>
               <a:rPr lang="en-US" dirty="0" smtClean="0"/>
-              <a:t>If </a:t>
-            </a:r>
-            <a:r>
-              <a:rPr lang="en-US" dirty="0" smtClean="0"/>
-              <a:t>you’ve taken a course in calculus, you have probably encountered optimization problems that you solve using differentiation</a:t>
+              <a:t>If you’ve taken a course in calculus, you have probably encountered optimization problems that you solve using differentiation</a:t>
             </a:r>
           </a:p>
           <a:p>
@@ -11160,11 +11144,7 @@
           <a:p>
             <a:r>
               <a:rPr lang="en-US" dirty="0" smtClean="0"/>
-              <a:t>A </a:t>
-            </a:r>
-            <a:r>
-              <a:rPr lang="en-US" dirty="0" smtClean="0"/>
-              <a:t>staggering diversity of problems can be posed as linear programs: they are routinely used in industry and government for planning and managing day-to-day operations</a:t>
+              <a:t>A staggering diversity of problems can be posed as linear programs: they are routinely used in industry and government for planning and managing day-to-day operations</a:t>
             </a:r>
           </a:p>
           <a:p>
@@ -11682,47 +11662,6 @@
       </p:sp>
       <p:sp>
         <p:nvSpPr>
-          <p:cNvPr id="25606" name="AutoShape 1028"/>
-          <p:cNvSpPr>
-            <a:spLocks/>
-          </p:cNvSpPr>
-          <p:nvPr/>
-        </p:nvSpPr>
-        <p:spPr bwMode="auto">
-          <a:xfrm>
-            <a:off x="5257800" y="2590800"/>
-            <a:ext cx="76200" cy="762000"/>
-          </a:xfrm>
-          <a:prstGeom prst="rightBrace">
-            <a:avLst>
-              <a:gd name="adj1" fmla="val 83333"/>
-              <a:gd name="adj2" fmla="val 50000"/>
-            </a:avLst>
-          </a:prstGeom>
-          <a:noFill/>
-          <a:ln w="9525">
-            <a:solidFill>
-              <a:schemeClr val="accent2"/>
-            </a:solidFill>
-            <a:round/>
-            <a:headEnd/>
-            <a:tailEnd/>
-          </a:ln>
-        </p:spPr>
-        <p:txBody>
-          <a:bodyPr wrap="none" anchor="ctr">
-            <a:prstTxWarp prst="textNoShape">
-              <a:avLst/>
-            </a:prstTxWarp>
-          </a:bodyPr>
-          <a:lstStyle/>
-          <a:p>
-            <a:endParaRPr lang="en-US"/>
-          </a:p>
-        </p:txBody>
-      </p:sp>
-      <p:sp>
-        <p:nvSpPr>
           <p:cNvPr id="25607" name="Text Box 1029"/>
           <p:cNvSpPr txBox="1">
             <a:spLocks noChangeArrowheads="1"/>
@@ -13181,7 +13120,7 @@
           <a:graphicData uri="http://schemas.openxmlformats.org/presentationml/2006/ole">
             <mc:AlternateContent xmlns:mc="http://schemas.openxmlformats.org/markup-compatibility/2006">
               <mc:Choice xmlns:v="urn:schemas-microsoft-com:vml" Requires="v">
-                <p:oleObj spid="_x0000_s1044" name="Document" r:id="rId4" imgW="5872340" imgH="2275720" progId="Word.Document.8">
+                <p:oleObj spid="_x0000_s1048" name="Document" r:id="rId4" imgW="5872340" imgH="2275720" progId="Word.Document.8">
                   <p:embed/>
                 </p:oleObj>
               </mc:Choice>
@@ -14049,7 +13988,7 @@
           <a:graphicData uri="http://schemas.openxmlformats.org/presentationml/2006/ole">
             <mc:AlternateContent xmlns:mc="http://schemas.openxmlformats.org/markup-compatibility/2006">
               <mc:Choice xmlns:v="urn:schemas-microsoft-com:vml" Requires="v">
-                <p:oleObj spid="_x0000_s2068" name="Document" r:id="rId5" imgW="5878841" imgH="2275720" progId="Word.Document.8">
+                <p:oleObj spid="_x0000_s2072" name="Document" r:id="rId5" imgW="5878841" imgH="2275720" progId="Word.Document.8">
                   <p:embed/>
                 </p:oleObj>
               </mc:Choice>
